--- a/ppt/2020年9月.pptx
+++ b/ppt/2020年9月.pptx
@@ -8,7 +8,6 @@
     <p:sldId id="256" r:id="rId2"/>
     <p:sldId id="258" r:id="rId3"/>
     <p:sldId id="259" r:id="rId4"/>
-    <p:sldId id="257" r:id="rId5"/>
   </p:sldIdLst>
   <p:sldSz cx="12192000" cy="6858000"/>
   <p:notesSz cx="6858000" cy="9144000"/>
@@ -107,6 +106,11 @@
       </a:defRPr>
     </a:lvl9pPr>
   </p:defaultTextStyle>
+  <p:extLst>
+    <p:ext uri="{EFAFB233-063F-42B5-8137-9DF3F51BA10A}">
+      <p15:sldGuideLst xmlns:p15="http://schemas.microsoft.com/office/powerpoint/2012/main"/>
+    </p:ext>
+  </p:extLst>
 </p:presentation>
 </file>
 
@@ -160,7 +164,7 @@
           <a:noFill/>
           <a:extLst>
             <a:ext uri="{909E8E84-426E-40dd-AFC4-6F175D3DCCD1}">
-              <a14:hiddenFill xmlns:a14="http://schemas.microsoft.com/office/drawing/2010/main" xmlns="">
+              <a14:hiddenFill xmlns="" xmlns:a14="http://schemas.microsoft.com/office/drawing/2010/main">
                 <a:solidFill>
                   <a:srgbClr val="FFFFFF"/>
                 </a:solidFill>
@@ -220,7 +224,7 @@
             </a:ln>
             <a:extLst>
               <a:ext uri="{91240B29-F687-4f45-9708-019B960494DF}">
-                <a14:hiddenLine xmlns:a14="http://schemas.microsoft.com/office/drawing/2010/main" xmlns="" w="9525">
+                <a14:hiddenLine xmlns="" xmlns:a14="http://schemas.microsoft.com/office/drawing/2010/main" w="9525">
                   <a:solidFill>
                     <a:srgbClr val="000000"/>
                   </a:solidFill>
@@ -310,7 +314,7 @@
             </a:ln>
             <a:extLst>
               <a:ext uri="{91240B29-F687-4f45-9708-019B960494DF}">
-                <a14:hiddenLine xmlns:a14="http://schemas.microsoft.com/office/drawing/2010/main" xmlns="" w="9525">
+                <a14:hiddenLine xmlns="" xmlns:a14="http://schemas.microsoft.com/office/drawing/2010/main" w="9525">
                   <a:solidFill>
                     <a:srgbClr val="000000"/>
                   </a:solidFill>
@@ -400,7 +404,7 @@
             </a:ln>
             <a:extLst>
               <a:ext uri="{91240B29-F687-4f45-9708-019B960494DF}">
-                <a14:hiddenLine xmlns:a14="http://schemas.microsoft.com/office/drawing/2010/main" xmlns="" w="9525">
+                <a14:hiddenLine xmlns="" xmlns:a14="http://schemas.microsoft.com/office/drawing/2010/main" w="9525">
                   <a:solidFill>
                     <a:srgbClr val="000000"/>
                   </a:solidFill>
@@ -434,7 +438,7 @@
             </a:ln>
             <a:extLst>
               <a:ext uri="{91240B29-F687-4f45-9708-019B960494DF}">
-                <a14:hiddenLine xmlns:a14="http://schemas.microsoft.com/office/drawing/2010/main" xmlns="" w="9525">
+                <a14:hiddenLine xmlns="" xmlns:a14="http://schemas.microsoft.com/office/drawing/2010/main" w="9525">
                   <a:solidFill>
                     <a:srgbClr val="000000"/>
                   </a:solidFill>
@@ -524,7 +528,7 @@
             </a:ln>
             <a:extLst>
               <a:ext uri="{91240B29-F687-4f45-9708-019B960494DF}">
-                <a14:hiddenLine xmlns:a14="http://schemas.microsoft.com/office/drawing/2010/main" xmlns="" w="9525">
+                <a14:hiddenLine xmlns="" xmlns:a14="http://schemas.microsoft.com/office/drawing/2010/main" w="9525">
                   <a:solidFill>
                     <a:srgbClr val="000000"/>
                   </a:solidFill>
@@ -586,7 +590,7 @@
             </a:ln>
             <a:extLst>
               <a:ext uri="{91240B29-F687-4f45-9708-019B960494DF}">
-                <a14:hiddenLine xmlns:a14="http://schemas.microsoft.com/office/drawing/2010/main" xmlns="" w="9525">
+                <a14:hiddenLine xmlns="" xmlns:a14="http://schemas.microsoft.com/office/drawing/2010/main" w="9525">
                   <a:solidFill>
                     <a:srgbClr val="000000"/>
                   </a:solidFill>
@@ -648,7 +652,7 @@
             </a:ln>
             <a:extLst>
               <a:ext uri="{91240B29-F687-4f45-9708-019B960494DF}">
-                <a14:hiddenLine xmlns:a14="http://schemas.microsoft.com/office/drawing/2010/main" xmlns="" w="9525">
+                <a14:hiddenLine xmlns="" xmlns:a14="http://schemas.microsoft.com/office/drawing/2010/main" w="9525">
                   <a:solidFill>
                     <a:srgbClr val="000000"/>
                   </a:solidFill>
@@ -738,7 +742,7 @@
             </a:ln>
             <a:extLst>
               <a:ext uri="{91240B29-F687-4f45-9708-019B960494DF}">
-                <a14:hiddenLine xmlns:a14="http://schemas.microsoft.com/office/drawing/2010/main" xmlns="" w="9525">
+                <a14:hiddenLine xmlns="" xmlns:a14="http://schemas.microsoft.com/office/drawing/2010/main" w="9525">
                   <a:solidFill>
                     <a:srgbClr val="000000"/>
                   </a:solidFill>
@@ -800,7 +804,7 @@
             </a:ln>
             <a:extLst>
               <a:ext uri="{91240B29-F687-4f45-9708-019B960494DF}">
-                <a14:hiddenLine xmlns:a14="http://schemas.microsoft.com/office/drawing/2010/main" xmlns="" w="9525">
+                <a14:hiddenLine xmlns="" xmlns:a14="http://schemas.microsoft.com/office/drawing/2010/main" w="9525">
                   <a:solidFill>
                     <a:srgbClr val="000000"/>
                   </a:solidFill>
@@ -862,7 +866,7 @@
             </a:ln>
             <a:extLst>
               <a:ext uri="{91240B29-F687-4f45-9708-019B960494DF}">
-                <a14:hiddenLine xmlns:a14="http://schemas.microsoft.com/office/drawing/2010/main" xmlns="" w="9525">
+                <a14:hiddenLine xmlns="" xmlns:a14="http://schemas.microsoft.com/office/drawing/2010/main" w="9525">
                   <a:solidFill>
                     <a:srgbClr val="000000"/>
                   </a:solidFill>
@@ -952,7 +956,7 @@
             </a:ln>
             <a:extLst>
               <a:ext uri="{91240B29-F687-4f45-9708-019B960494DF}">
-                <a14:hiddenLine xmlns:a14="http://schemas.microsoft.com/office/drawing/2010/main" xmlns="" w="9525">
+                <a14:hiddenLine xmlns="" xmlns:a14="http://schemas.microsoft.com/office/drawing/2010/main" w="9525">
                   <a:solidFill>
                     <a:srgbClr val="000000"/>
                   </a:solidFill>
@@ -1042,7 +1046,7 @@
             </a:ln>
             <a:extLst>
               <a:ext uri="{91240B29-F687-4f45-9708-019B960494DF}">
-                <a14:hiddenLine xmlns:a14="http://schemas.microsoft.com/office/drawing/2010/main" xmlns="" w="9525">
+                <a14:hiddenLine xmlns="" xmlns:a14="http://schemas.microsoft.com/office/drawing/2010/main" w="9525">
                   <a:solidFill>
                     <a:srgbClr val="000000"/>
                   </a:solidFill>
@@ -1104,7 +1108,7 @@
             </a:ln>
             <a:extLst>
               <a:ext uri="{91240B29-F687-4f45-9708-019B960494DF}">
-                <a14:hiddenLine xmlns:a14="http://schemas.microsoft.com/office/drawing/2010/main" xmlns="" w="9525">
+                <a14:hiddenLine xmlns="" xmlns:a14="http://schemas.microsoft.com/office/drawing/2010/main" w="9525">
                   <a:solidFill>
                     <a:srgbClr val="000000"/>
                   </a:solidFill>
@@ -1214,7 +1218,7 @@
             </a:ln>
             <a:extLst>
               <a:ext uri="{91240B29-F687-4f45-9708-019B960494DF}">
-                <a14:hiddenLine xmlns:a14="http://schemas.microsoft.com/office/drawing/2010/main" xmlns="" w="9525">
+                <a14:hiddenLine xmlns="" xmlns:a14="http://schemas.microsoft.com/office/drawing/2010/main" w="9525">
                   <a:solidFill>
                     <a:srgbClr val="000000"/>
                   </a:solidFill>
@@ -1276,7 +1280,7 @@
             </a:ln>
             <a:extLst>
               <a:ext uri="{91240B29-F687-4f45-9708-019B960494DF}">
-                <a14:hiddenLine xmlns:a14="http://schemas.microsoft.com/office/drawing/2010/main" xmlns="" w="9525">
+                <a14:hiddenLine xmlns="" xmlns:a14="http://schemas.microsoft.com/office/drawing/2010/main" w="9525">
                   <a:solidFill>
                     <a:srgbClr val="000000"/>
                   </a:solidFill>
@@ -1366,7 +1370,7 @@
             </a:ln>
             <a:extLst>
               <a:ext uri="{91240B29-F687-4f45-9708-019B960494DF}">
-                <a14:hiddenLine xmlns:a14="http://schemas.microsoft.com/office/drawing/2010/main" xmlns="" w="9525">
+                <a14:hiddenLine xmlns="" xmlns:a14="http://schemas.microsoft.com/office/drawing/2010/main" w="9525">
                   <a:solidFill>
                     <a:srgbClr val="000000"/>
                   </a:solidFill>
@@ -1456,7 +1460,7 @@
             </a:ln>
             <a:extLst>
               <a:ext uri="{91240B29-F687-4f45-9708-019B960494DF}">
-                <a14:hiddenLine xmlns:a14="http://schemas.microsoft.com/office/drawing/2010/main" xmlns="" w="9525">
+                <a14:hiddenLine xmlns="" xmlns:a14="http://schemas.microsoft.com/office/drawing/2010/main" w="9525">
                   <a:solidFill>
                     <a:srgbClr val="000000"/>
                   </a:solidFill>
@@ -1518,7 +1522,7 @@
             </a:ln>
             <a:extLst>
               <a:ext uri="{91240B29-F687-4f45-9708-019B960494DF}">
-                <a14:hiddenLine xmlns:a14="http://schemas.microsoft.com/office/drawing/2010/main" xmlns="" w="9525">
+                <a14:hiddenLine xmlns="" xmlns:a14="http://schemas.microsoft.com/office/drawing/2010/main" w="9525">
                   <a:solidFill>
                     <a:srgbClr val="000000"/>
                   </a:solidFill>
@@ -1608,7 +1612,7 @@
             </a:ln>
             <a:extLst>
               <a:ext uri="{91240B29-F687-4f45-9708-019B960494DF}">
-                <a14:hiddenLine xmlns:a14="http://schemas.microsoft.com/office/drawing/2010/main" xmlns="" w="9525">
+                <a14:hiddenLine xmlns="" xmlns:a14="http://schemas.microsoft.com/office/drawing/2010/main" w="9525">
                   <a:solidFill>
                     <a:srgbClr val="000000"/>
                   </a:solidFill>
@@ -1698,7 +1702,7 @@
             </a:ln>
             <a:extLst>
               <a:ext uri="{91240B29-F687-4f45-9708-019B960494DF}">
-                <a14:hiddenLine xmlns:a14="http://schemas.microsoft.com/office/drawing/2010/main" xmlns="" w="9525">
+                <a14:hiddenLine xmlns="" xmlns:a14="http://schemas.microsoft.com/office/drawing/2010/main" w="9525">
                   <a:solidFill>
                     <a:srgbClr val="000000"/>
                   </a:solidFill>
@@ -1754,7 +1758,7 @@
             </a:ln>
             <a:extLst>
               <a:ext uri="{91240B29-F687-4f45-9708-019B960494DF}">
-                <a14:hiddenLine xmlns:a14="http://schemas.microsoft.com/office/drawing/2010/main" xmlns="" w="9525">
+                <a14:hiddenLine xmlns="" xmlns:a14="http://schemas.microsoft.com/office/drawing/2010/main" w="9525">
                   <a:solidFill>
                     <a:srgbClr val="000000"/>
                   </a:solidFill>
@@ -1844,7 +1848,7 @@
             </a:ln>
             <a:extLst>
               <a:ext uri="{91240B29-F687-4f45-9708-019B960494DF}">
-                <a14:hiddenLine xmlns:a14="http://schemas.microsoft.com/office/drawing/2010/main" xmlns="" w="9525">
+                <a14:hiddenLine xmlns="" xmlns:a14="http://schemas.microsoft.com/office/drawing/2010/main" w="9525">
                   <a:solidFill>
                     <a:srgbClr val="000000"/>
                   </a:solidFill>
@@ -1900,7 +1904,7 @@
             </a:ln>
             <a:extLst>
               <a:ext uri="{91240B29-F687-4f45-9708-019B960494DF}">
-                <a14:hiddenLine xmlns:a14="http://schemas.microsoft.com/office/drawing/2010/main" xmlns="" w="9525">
+                <a14:hiddenLine xmlns="" xmlns:a14="http://schemas.microsoft.com/office/drawing/2010/main" w="9525">
                   <a:solidFill>
                     <a:srgbClr val="000000"/>
                   </a:solidFill>
@@ -1990,7 +1994,7 @@
             </a:ln>
             <a:extLst>
               <a:ext uri="{91240B29-F687-4f45-9708-019B960494DF}">
-                <a14:hiddenLine xmlns:a14="http://schemas.microsoft.com/office/drawing/2010/main" xmlns="" w="9525">
+                <a14:hiddenLine xmlns="" xmlns:a14="http://schemas.microsoft.com/office/drawing/2010/main" w="9525">
                   <a:solidFill>
                     <a:srgbClr val="000000"/>
                   </a:solidFill>
@@ -2058,7 +2062,7 @@
             </a:ln>
             <a:extLst>
               <a:ext uri="{91240B29-F687-4f45-9708-019B960494DF}">
-                <a14:hiddenLine xmlns:a14="http://schemas.microsoft.com/office/drawing/2010/main" xmlns="" w="9525">
+                <a14:hiddenLine xmlns="" xmlns:a14="http://schemas.microsoft.com/office/drawing/2010/main" w="9525">
                   <a:solidFill>
                     <a:srgbClr val="000000"/>
                   </a:solidFill>
@@ -2148,7 +2152,7 @@
             </a:ln>
             <a:extLst>
               <a:ext uri="{91240B29-F687-4f45-9708-019B960494DF}">
-                <a14:hiddenLine xmlns:a14="http://schemas.microsoft.com/office/drawing/2010/main" xmlns="" w="9525">
+                <a14:hiddenLine xmlns="" xmlns:a14="http://schemas.microsoft.com/office/drawing/2010/main" w="9525">
                   <a:solidFill>
                     <a:srgbClr val="000000"/>
                   </a:solidFill>
@@ -2216,7 +2220,7 @@
             </a:ln>
             <a:extLst>
               <a:ext uri="{91240B29-F687-4f45-9708-019B960494DF}">
-                <a14:hiddenLine xmlns:a14="http://schemas.microsoft.com/office/drawing/2010/main" xmlns="" w="9525">
+                <a14:hiddenLine xmlns="" xmlns:a14="http://schemas.microsoft.com/office/drawing/2010/main" w="9525">
                   <a:solidFill>
                     <a:srgbClr val="000000"/>
                   </a:solidFill>
@@ -2306,7 +2310,7 @@
             </a:ln>
             <a:extLst>
               <a:ext uri="{91240B29-F687-4f45-9708-019B960494DF}">
-                <a14:hiddenLine xmlns:a14="http://schemas.microsoft.com/office/drawing/2010/main" xmlns="" w="9525">
+                <a14:hiddenLine xmlns="" xmlns:a14="http://schemas.microsoft.com/office/drawing/2010/main" w="9525">
                   <a:solidFill>
                     <a:srgbClr val="000000"/>
                   </a:solidFill>
@@ -2340,7 +2344,7 @@
             </a:ln>
             <a:extLst>
               <a:ext uri="{91240B29-F687-4f45-9708-019B960494DF}">
-                <a14:hiddenLine xmlns:a14="http://schemas.microsoft.com/office/drawing/2010/main" xmlns="" w="9525">
+                <a14:hiddenLine xmlns="" xmlns:a14="http://schemas.microsoft.com/office/drawing/2010/main" w="9525">
                   <a:solidFill>
                     <a:srgbClr val="000000"/>
                   </a:solidFill>
@@ -2430,7 +2434,7 @@
             </a:ln>
             <a:extLst>
               <a:ext uri="{91240B29-F687-4f45-9708-019B960494DF}">
-                <a14:hiddenLine xmlns:a14="http://schemas.microsoft.com/office/drawing/2010/main" xmlns="" w="9525">
+                <a14:hiddenLine xmlns="" xmlns:a14="http://schemas.microsoft.com/office/drawing/2010/main" w="9525">
                   <a:solidFill>
                     <a:srgbClr val="000000"/>
                   </a:solidFill>
@@ -2492,7 +2496,7 @@
             </a:ln>
             <a:extLst>
               <a:ext uri="{91240B29-F687-4f45-9708-019B960494DF}">
-                <a14:hiddenLine xmlns:a14="http://schemas.microsoft.com/office/drawing/2010/main" xmlns="" w="9525">
+                <a14:hiddenLine xmlns="" xmlns:a14="http://schemas.microsoft.com/office/drawing/2010/main" w="9525">
                   <a:solidFill>
                     <a:srgbClr val="000000"/>
                   </a:solidFill>
@@ -2554,7 +2558,7 @@
             </a:ln>
             <a:extLst>
               <a:ext uri="{91240B29-F687-4f45-9708-019B960494DF}">
-                <a14:hiddenLine xmlns:a14="http://schemas.microsoft.com/office/drawing/2010/main" xmlns="" w="9525">
+                <a14:hiddenLine xmlns="" xmlns:a14="http://schemas.microsoft.com/office/drawing/2010/main" w="9525">
                   <a:solidFill>
                     <a:srgbClr val="000000"/>
                   </a:solidFill>
@@ -2644,7 +2648,7 @@
             </a:ln>
             <a:extLst>
               <a:ext uri="{91240B29-F687-4f45-9708-019B960494DF}">
-                <a14:hiddenLine xmlns:a14="http://schemas.microsoft.com/office/drawing/2010/main" xmlns="" w="9525">
+                <a14:hiddenLine xmlns="" xmlns:a14="http://schemas.microsoft.com/office/drawing/2010/main" w="9525">
                   <a:solidFill>
                     <a:srgbClr val="000000"/>
                   </a:solidFill>
@@ -2712,7 +2716,7 @@
             </a:ln>
             <a:extLst>
               <a:ext uri="{91240B29-F687-4f45-9708-019B960494DF}">
-                <a14:hiddenLine xmlns:a14="http://schemas.microsoft.com/office/drawing/2010/main" xmlns="" w="9525">
+                <a14:hiddenLine xmlns="" xmlns:a14="http://schemas.microsoft.com/office/drawing/2010/main" w="9525">
                   <a:solidFill>
                     <a:srgbClr val="000000"/>
                   </a:solidFill>
@@ -2774,7 +2778,7 @@
             </a:ln>
             <a:extLst>
               <a:ext uri="{91240B29-F687-4f45-9708-019B960494DF}">
-                <a14:hiddenLine xmlns:a14="http://schemas.microsoft.com/office/drawing/2010/main" xmlns="" w="9525">
+                <a14:hiddenLine xmlns="" xmlns:a14="http://schemas.microsoft.com/office/drawing/2010/main" w="9525">
                   <a:solidFill>
                     <a:srgbClr val="000000"/>
                   </a:solidFill>
@@ -2864,7 +2868,7 @@
             </a:ln>
             <a:extLst>
               <a:ext uri="{91240B29-F687-4f45-9708-019B960494DF}">
-                <a14:hiddenLine xmlns:a14="http://schemas.microsoft.com/office/drawing/2010/main" xmlns="" w="9525">
+                <a14:hiddenLine xmlns="" xmlns:a14="http://schemas.microsoft.com/office/drawing/2010/main" w="9525">
                   <a:solidFill>
                     <a:srgbClr val="000000"/>
                   </a:solidFill>
@@ -2926,7 +2930,7 @@
             </a:ln>
             <a:extLst>
               <a:ext uri="{91240B29-F687-4f45-9708-019B960494DF}">
-                <a14:hiddenLine xmlns:a14="http://schemas.microsoft.com/office/drawing/2010/main" xmlns="" w="9525">
+                <a14:hiddenLine xmlns="" xmlns:a14="http://schemas.microsoft.com/office/drawing/2010/main" w="9525">
                   <a:solidFill>
                     <a:srgbClr val="000000"/>
                   </a:solidFill>
@@ -3016,7 +3020,7 @@
             </a:ln>
             <a:extLst>
               <a:ext uri="{91240B29-F687-4f45-9708-019B960494DF}">
-                <a14:hiddenLine xmlns:a14="http://schemas.microsoft.com/office/drawing/2010/main" xmlns="" w="9525">
+                <a14:hiddenLine xmlns="" xmlns:a14="http://schemas.microsoft.com/office/drawing/2010/main" w="9525">
                   <a:solidFill>
                     <a:srgbClr val="000000"/>
                   </a:solidFill>
@@ -3078,7 +3082,7 @@
             </a:ln>
             <a:extLst>
               <a:ext uri="{91240B29-F687-4f45-9708-019B960494DF}">
-                <a14:hiddenLine xmlns:a14="http://schemas.microsoft.com/office/drawing/2010/main" xmlns="" w="9525">
+                <a14:hiddenLine xmlns="" xmlns:a14="http://schemas.microsoft.com/office/drawing/2010/main" w="9525">
                   <a:solidFill>
                     <a:srgbClr val="000000"/>
                   </a:solidFill>
@@ -3168,7 +3172,7 @@
             </a:ln>
             <a:extLst>
               <a:ext uri="{91240B29-F687-4f45-9708-019B960494DF}">
-                <a14:hiddenLine xmlns:a14="http://schemas.microsoft.com/office/drawing/2010/main" xmlns="" w="9525">
+                <a14:hiddenLine xmlns="" xmlns:a14="http://schemas.microsoft.com/office/drawing/2010/main" w="9525">
                   <a:solidFill>
                     <a:srgbClr val="000000"/>
                   </a:solidFill>
@@ -3202,7 +3206,7 @@
             </a:ln>
             <a:extLst>
               <a:ext uri="{91240B29-F687-4f45-9708-019B960494DF}">
-                <a14:hiddenLine xmlns:a14="http://schemas.microsoft.com/office/drawing/2010/main" xmlns="" w="9525">
+                <a14:hiddenLine xmlns="" xmlns:a14="http://schemas.microsoft.com/office/drawing/2010/main" w="9525">
                   <a:solidFill>
                     <a:srgbClr val="000000"/>
                   </a:solidFill>
@@ -3267,7 +3271,7 @@
             </a:ln>
             <a:extLst>
               <a:ext uri="{91240B29-F687-4f45-9708-019B960494DF}">
-                <a14:hiddenLine xmlns:a14="http://schemas.microsoft.com/office/drawing/2010/main" xmlns="" w="9525">
+                <a14:hiddenLine xmlns="" xmlns:a14="http://schemas.microsoft.com/office/drawing/2010/main" w="9525">
                   <a:solidFill>
                     <a:srgbClr val="000000"/>
                   </a:solidFill>
@@ -3357,7 +3361,7 @@
             </a:ln>
             <a:extLst>
               <a:ext uri="{91240B29-F687-4f45-9708-019B960494DF}">
-                <a14:hiddenLine xmlns:a14="http://schemas.microsoft.com/office/drawing/2010/main" xmlns="" w="9525">
+                <a14:hiddenLine xmlns="" xmlns:a14="http://schemas.microsoft.com/office/drawing/2010/main" w="9525">
                   <a:solidFill>
                     <a:srgbClr val="000000"/>
                   </a:solidFill>
@@ -3419,7 +3423,7 @@
             </a:ln>
             <a:extLst>
               <a:ext uri="{91240B29-F687-4f45-9708-019B960494DF}">
-                <a14:hiddenLine xmlns:a14="http://schemas.microsoft.com/office/drawing/2010/main" xmlns="" w="9525">
+                <a14:hiddenLine xmlns="" xmlns:a14="http://schemas.microsoft.com/office/drawing/2010/main" w="9525">
                   <a:solidFill>
                     <a:srgbClr val="000000"/>
                   </a:solidFill>
@@ -3509,7 +3513,7 @@
             </a:ln>
             <a:extLst>
               <a:ext uri="{91240B29-F687-4f45-9708-019B960494DF}">
-                <a14:hiddenLine xmlns:a14="http://schemas.microsoft.com/office/drawing/2010/main" xmlns="" w="9525">
+                <a14:hiddenLine xmlns="" xmlns:a14="http://schemas.microsoft.com/office/drawing/2010/main" w="9525">
                   <a:solidFill>
                     <a:srgbClr val="000000"/>
                   </a:solidFill>
@@ -3599,7 +3603,7 @@
             </a:ln>
             <a:extLst>
               <a:ext uri="{91240B29-F687-4f45-9708-019B960494DF}">
-                <a14:hiddenLine xmlns:a14="http://schemas.microsoft.com/office/drawing/2010/main" xmlns="" w="9525">
+                <a14:hiddenLine xmlns="" xmlns:a14="http://schemas.microsoft.com/office/drawing/2010/main" w="9525">
                   <a:solidFill>
                     <a:srgbClr val="000000"/>
                   </a:solidFill>
@@ -3664,7 +3668,7 @@
             </a:ln>
             <a:extLst>
               <a:ext uri="{91240B29-F687-4f45-9708-019B960494DF}">
-                <a14:hiddenLine xmlns:a14="http://schemas.microsoft.com/office/drawing/2010/main" xmlns="" w="9525">
+                <a14:hiddenLine xmlns="" xmlns:a14="http://schemas.microsoft.com/office/drawing/2010/main" w="9525">
                   <a:solidFill>
                     <a:srgbClr val="000000"/>
                   </a:solidFill>
@@ -3726,7 +3730,7 @@
             </a:ln>
             <a:extLst>
               <a:ext uri="{91240B29-F687-4f45-9708-019B960494DF}">
-                <a14:hiddenLine xmlns:a14="http://schemas.microsoft.com/office/drawing/2010/main" xmlns="" w="9525">
+                <a14:hiddenLine xmlns="" xmlns:a14="http://schemas.microsoft.com/office/drawing/2010/main" w="9525">
                   <a:solidFill>
                     <a:srgbClr val="000000"/>
                   </a:solidFill>
@@ -3816,7 +3820,7 @@
             </a:ln>
             <a:extLst>
               <a:ext uri="{91240B29-F687-4f45-9708-019B960494DF}">
-                <a14:hiddenLine xmlns:a14="http://schemas.microsoft.com/office/drawing/2010/main" xmlns="" w="9525">
+                <a14:hiddenLine xmlns="" xmlns:a14="http://schemas.microsoft.com/office/drawing/2010/main" w="9525">
                   <a:solidFill>
                     <a:srgbClr val="000000"/>
                   </a:solidFill>
@@ -3906,7 +3910,7 @@
             </a:ln>
             <a:extLst>
               <a:ext uri="{91240B29-F687-4f45-9708-019B960494DF}">
-                <a14:hiddenLine xmlns:a14="http://schemas.microsoft.com/office/drawing/2010/main" xmlns="" w="9525">
+                <a14:hiddenLine xmlns="" xmlns:a14="http://schemas.microsoft.com/office/drawing/2010/main" w="9525">
                   <a:solidFill>
                     <a:srgbClr val="000000"/>
                   </a:solidFill>
@@ -3968,7 +3972,7 @@
             </a:ln>
             <a:extLst>
               <a:ext uri="{91240B29-F687-4f45-9708-019B960494DF}">
-                <a14:hiddenLine xmlns:a14="http://schemas.microsoft.com/office/drawing/2010/main" xmlns="" w="9525">
+                <a14:hiddenLine xmlns="" xmlns:a14="http://schemas.microsoft.com/office/drawing/2010/main" w="9525">
                   <a:solidFill>
                     <a:srgbClr val="000000"/>
                   </a:solidFill>
@@ -4088,7 +4092,7 @@
             </a:ln>
             <a:extLst>
               <a:ext uri="{91240B29-F687-4f45-9708-019B960494DF}">
-                <a14:hiddenLine xmlns:a14="http://schemas.microsoft.com/office/drawing/2010/main" xmlns="" w="9525">
+                <a14:hiddenLine xmlns="" xmlns:a14="http://schemas.microsoft.com/office/drawing/2010/main" w="9525">
                   <a:solidFill>
                     <a:srgbClr val="000000"/>
                   </a:solidFill>
@@ -4156,7 +4160,7 @@
             </a:ln>
             <a:extLst>
               <a:ext uri="{91240B29-F687-4f45-9708-019B960494DF}">
-                <a14:hiddenLine xmlns:a14="http://schemas.microsoft.com/office/drawing/2010/main" xmlns="" w="9525">
+                <a14:hiddenLine xmlns="" xmlns:a14="http://schemas.microsoft.com/office/drawing/2010/main" w="9525">
                   <a:solidFill>
                     <a:srgbClr val="000000"/>
                   </a:solidFill>
@@ -4246,7 +4250,7 @@
             </a:ln>
             <a:extLst>
               <a:ext uri="{91240B29-F687-4f45-9708-019B960494DF}">
-                <a14:hiddenLine xmlns:a14="http://schemas.microsoft.com/office/drawing/2010/main" xmlns="" w="9525">
+                <a14:hiddenLine xmlns="" xmlns:a14="http://schemas.microsoft.com/office/drawing/2010/main" w="9525">
                   <a:solidFill>
                     <a:srgbClr val="000000"/>
                   </a:solidFill>
@@ -4386,7 +4390,7 @@
           <a:p>
             <a:fld id="{48A87A34-81AB-432B-8DAE-1953F412C126}" type="datetimeFigureOut">
               <a:rPr lang="en-US" dirty="0"/>
-              <a:t>9/4/20</a:t>
+              <a:t>9/7/20</a:t>
             </a:fld>
             <a:endParaRPr lang="en-US" dirty="0"/>
           </a:p>
@@ -4653,7 +4657,7 @@
           <a:p>
             <a:fld id="{48A87A34-81AB-432B-8DAE-1953F412C126}" type="datetimeFigureOut">
               <a:rPr lang="en-US" dirty="0"/>
-              <a:t>9/4/20</a:t>
+              <a:t>9/7/20</a:t>
             </a:fld>
             <a:endParaRPr lang="en-US" dirty="0"/>
           </a:p>
@@ -4849,7 +4853,7 @@
           <a:p>
             <a:fld id="{48A87A34-81AB-432B-8DAE-1953F412C126}" type="datetimeFigureOut">
               <a:rPr lang="en-US" dirty="0"/>
-              <a:t>9/4/20</a:t>
+              <a:t>9/7/20</a:t>
             </a:fld>
             <a:endParaRPr lang="en-US" dirty="0"/>
           </a:p>
@@ -5117,7 +5121,7 @@
           <a:p>
             <a:fld id="{48A87A34-81AB-432B-8DAE-1953F412C126}" type="datetimeFigureOut">
               <a:rPr lang="en-US" dirty="0"/>
-              <a:t>9/4/20</a:t>
+              <a:t>9/7/20</a:t>
             </a:fld>
             <a:endParaRPr lang="en-US" dirty="0"/>
           </a:p>
@@ -5551,7 +5555,7 @@
           <a:p>
             <a:fld id="{48A87A34-81AB-432B-8DAE-1953F412C126}" type="datetimeFigureOut">
               <a:rPr lang="en-US" dirty="0"/>
-              <a:t>9/4/20</a:t>
+              <a:t>9/7/20</a:t>
             </a:fld>
             <a:endParaRPr lang="en-US" dirty="0"/>
           </a:p>
@@ -6122,7 +6126,7 @@
           <a:p>
             <a:fld id="{48A87A34-81AB-432B-8DAE-1953F412C126}" type="datetimeFigureOut">
               <a:rPr lang="en-US" dirty="0"/>
-              <a:t>9/4/20</a:t>
+              <a:t>9/7/20</a:t>
             </a:fld>
             <a:endParaRPr lang="en-US" dirty="0"/>
           </a:p>
@@ -6867,7 +6871,7 @@
           <a:p>
             <a:fld id="{48A87A34-81AB-432B-8DAE-1953F412C126}" type="datetimeFigureOut">
               <a:rPr lang="en-US" dirty="0"/>
-              <a:t>9/4/20</a:t>
+              <a:t>9/7/20</a:t>
             </a:fld>
             <a:endParaRPr lang="en-US" dirty="0"/>
           </a:p>
@@ -7008,7 +7012,7 @@
           <a:p>
             <a:fld id="{48A87A34-81AB-432B-8DAE-1953F412C126}" type="datetimeFigureOut">
               <a:rPr lang="en-US" dirty="0"/>
-              <a:t>9/4/20</a:t>
+              <a:t>9/7/20</a:t>
             </a:fld>
             <a:endParaRPr lang="en-US" dirty="0"/>
           </a:p>
@@ -7159,7 +7163,7 @@
           <a:p>
             <a:fld id="{48A87A34-81AB-432B-8DAE-1953F412C126}" type="datetimeFigureOut">
               <a:rPr lang="en-US" dirty="0"/>
-              <a:t>9/4/20</a:t>
+              <a:t>9/7/20</a:t>
             </a:fld>
             <a:endParaRPr lang="en-US" dirty="0"/>
           </a:p>
@@ -7300,7 +7304,7 @@
           <a:p>
             <a:fld id="{48A87A34-81AB-432B-8DAE-1953F412C126}" type="datetimeFigureOut">
               <a:rPr lang="en-US" dirty="0"/>
-              <a:t>9/4/20</a:t>
+              <a:t>9/7/20</a:t>
             </a:fld>
             <a:endParaRPr lang="en-US" dirty="0"/>
           </a:p>
@@ -7550,7 +7554,7 @@
           <a:p>
             <a:fld id="{48A87A34-81AB-432B-8DAE-1953F412C126}" type="datetimeFigureOut">
               <a:rPr lang="en-US" dirty="0"/>
-              <a:t>9/4/20</a:t>
+              <a:t>9/7/20</a:t>
             </a:fld>
             <a:endParaRPr lang="en-US" dirty="0"/>
           </a:p>
@@ -7729,7 +7733,7 @@
           <a:p>
             <a:fld id="{48A87A34-81AB-432B-8DAE-1953F412C126}" type="datetimeFigureOut">
               <a:rPr lang="en-US" dirty="0"/>
-              <a:t>9/4/20</a:t>
+              <a:t>9/7/20</a:t>
             </a:fld>
             <a:endParaRPr lang="en-US" dirty="0"/>
           </a:p>
@@ -8067,7 +8071,7 @@
           <a:p>
             <a:fld id="{48A87A34-81AB-432B-8DAE-1953F412C126}" type="datetimeFigureOut">
               <a:rPr lang="en-US" dirty="0"/>
-              <a:t>9/4/20</a:t>
+              <a:t>9/7/20</a:t>
             </a:fld>
             <a:endParaRPr lang="en-US" dirty="0"/>
           </a:p>
@@ -8180,7 +8184,7 @@
           <a:p>
             <a:fld id="{48A87A34-81AB-432B-8DAE-1953F412C126}" type="datetimeFigureOut">
               <a:rPr lang="en-US" dirty="0"/>
-              <a:t>9/4/20</a:t>
+              <a:t>9/7/20</a:t>
             </a:fld>
             <a:endParaRPr lang="en-US" dirty="0"/>
           </a:p>
@@ -8270,7 +8274,7 @@
           <a:p>
             <a:fld id="{48A87A34-81AB-432B-8DAE-1953F412C126}" type="datetimeFigureOut">
               <a:rPr lang="en-US" dirty="0"/>
-              <a:t>9/4/20</a:t>
+              <a:t>9/7/20</a:t>
             </a:fld>
             <a:endParaRPr lang="en-US" dirty="0"/>
           </a:p>
@@ -8495,7 +8499,7 @@
           <a:p>
             <a:fld id="{48A87A34-81AB-432B-8DAE-1953F412C126}" type="datetimeFigureOut">
               <a:rPr lang="en-US" dirty="0"/>
-              <a:t>9/4/20</a:t>
+              <a:t>9/7/20</a:t>
             </a:fld>
             <a:endParaRPr lang="en-US" dirty="0"/>
           </a:p>
@@ -8775,7 +8779,7 @@
           <a:p>
             <a:fld id="{48A87A34-81AB-432B-8DAE-1953F412C126}" type="datetimeFigureOut">
               <a:rPr lang="en-US" dirty="0"/>
-              <a:t>9/4/20</a:t>
+              <a:t>9/7/20</a:t>
             </a:fld>
             <a:endParaRPr lang="en-US" dirty="0"/>
           </a:p>
@@ -8886,7 +8890,7 @@
           <a:noFill/>
           <a:extLst>
             <a:ext uri="{909E8E84-426E-40dd-AFC4-6F175D3DCCD1}">
-              <a14:hiddenFill xmlns:a14="http://schemas.microsoft.com/office/drawing/2010/main" xmlns="">
+              <a14:hiddenFill xmlns="" xmlns:a14="http://schemas.microsoft.com/office/drawing/2010/main">
                 <a:solidFill>
                   <a:srgbClr val="FFFFFF"/>
                 </a:solidFill>
@@ -8960,7 +8964,7 @@
               </a:ln>
               <a:extLst>
                 <a:ext uri="{91240B29-F687-4f45-9708-019B960494DF}">
-                  <a14:hiddenLine xmlns:a14="http://schemas.microsoft.com/office/drawing/2010/main" xmlns="" w="9525">
+                  <a14:hiddenLine xmlns="" xmlns:a14="http://schemas.microsoft.com/office/drawing/2010/main" w="9525">
                     <a:solidFill>
                       <a:srgbClr val="000000"/>
                     </a:solidFill>
@@ -9050,7 +9054,7 @@
               </a:ln>
               <a:extLst>
                 <a:ext uri="{91240B29-F687-4f45-9708-019B960494DF}">
-                  <a14:hiddenLine xmlns:a14="http://schemas.microsoft.com/office/drawing/2010/main" xmlns="" w="9525">
+                  <a14:hiddenLine xmlns="" xmlns:a14="http://schemas.microsoft.com/office/drawing/2010/main" w="9525">
                     <a:solidFill>
                       <a:srgbClr val="000000"/>
                     </a:solidFill>
@@ -9140,7 +9144,7 @@
               </a:ln>
               <a:extLst>
                 <a:ext uri="{91240B29-F687-4f45-9708-019B960494DF}">
-                  <a14:hiddenLine xmlns:a14="http://schemas.microsoft.com/office/drawing/2010/main" xmlns="" w="9525">
+                  <a14:hiddenLine xmlns="" xmlns:a14="http://schemas.microsoft.com/office/drawing/2010/main" w="9525">
                     <a:solidFill>
                       <a:srgbClr val="000000"/>
                     </a:solidFill>
@@ -9202,7 +9206,7 @@
               </a:ln>
               <a:extLst>
                 <a:ext uri="{91240B29-F687-4f45-9708-019B960494DF}">
-                  <a14:hiddenLine xmlns:a14="http://schemas.microsoft.com/office/drawing/2010/main" xmlns="" w="9525">
+                  <a14:hiddenLine xmlns="" xmlns:a14="http://schemas.microsoft.com/office/drawing/2010/main" w="9525">
                     <a:solidFill>
                       <a:srgbClr val="000000"/>
                     </a:solidFill>
@@ -9292,7 +9296,7 @@
               </a:ln>
               <a:extLst>
                 <a:ext uri="{91240B29-F687-4f45-9708-019B960494DF}">
-                  <a14:hiddenLine xmlns:a14="http://schemas.microsoft.com/office/drawing/2010/main" xmlns="" w="9525">
+                  <a14:hiddenLine xmlns="" xmlns:a14="http://schemas.microsoft.com/office/drawing/2010/main" w="9525">
                     <a:solidFill>
                       <a:srgbClr val="000000"/>
                     </a:solidFill>
@@ -9354,7 +9358,7 @@
               </a:ln>
               <a:extLst>
                 <a:ext uri="{91240B29-F687-4f45-9708-019B960494DF}">
-                  <a14:hiddenLine xmlns:a14="http://schemas.microsoft.com/office/drawing/2010/main" xmlns="" w="9525">
+                  <a14:hiddenLine xmlns="" xmlns:a14="http://schemas.microsoft.com/office/drawing/2010/main" w="9525">
                     <a:solidFill>
                       <a:srgbClr val="000000"/>
                     </a:solidFill>
@@ -9416,7 +9420,7 @@
               </a:ln>
               <a:extLst>
                 <a:ext uri="{91240B29-F687-4f45-9708-019B960494DF}">
-                  <a14:hiddenLine xmlns:a14="http://schemas.microsoft.com/office/drawing/2010/main" xmlns="" w="9525">
+                  <a14:hiddenLine xmlns="" xmlns:a14="http://schemas.microsoft.com/office/drawing/2010/main" w="9525">
                     <a:solidFill>
                       <a:srgbClr val="000000"/>
                     </a:solidFill>
@@ -9506,7 +9510,7 @@
               </a:ln>
               <a:extLst>
                 <a:ext uri="{91240B29-F687-4f45-9708-019B960494DF}">
-                  <a14:hiddenLine xmlns:a14="http://schemas.microsoft.com/office/drawing/2010/main" xmlns="" w="9525">
+                  <a14:hiddenLine xmlns="" xmlns:a14="http://schemas.microsoft.com/office/drawing/2010/main" w="9525">
                     <a:solidFill>
                       <a:srgbClr val="000000"/>
                     </a:solidFill>
@@ -9596,7 +9600,7 @@
               </a:ln>
               <a:extLst>
                 <a:ext uri="{91240B29-F687-4f45-9708-019B960494DF}">
-                  <a14:hiddenLine xmlns:a14="http://schemas.microsoft.com/office/drawing/2010/main" xmlns="" w="9525">
+                  <a14:hiddenLine xmlns="" xmlns:a14="http://schemas.microsoft.com/office/drawing/2010/main" w="9525">
                     <a:solidFill>
                       <a:srgbClr val="000000"/>
                     </a:solidFill>
@@ -9658,7 +9662,7 @@
               </a:ln>
               <a:extLst>
                 <a:ext uri="{91240B29-F687-4f45-9708-019B960494DF}">
-                  <a14:hiddenLine xmlns:a14="http://schemas.microsoft.com/office/drawing/2010/main" xmlns="" w="9525">
+                  <a14:hiddenLine xmlns="" xmlns:a14="http://schemas.microsoft.com/office/drawing/2010/main" w="9525">
                     <a:solidFill>
                       <a:srgbClr val="000000"/>
                     </a:solidFill>
@@ -9768,7 +9772,7 @@
               </a:ln>
               <a:extLst>
                 <a:ext uri="{91240B29-F687-4f45-9708-019B960494DF}">
-                  <a14:hiddenLine xmlns:a14="http://schemas.microsoft.com/office/drawing/2010/main" xmlns="" w="9525">
+                  <a14:hiddenLine xmlns="" xmlns:a14="http://schemas.microsoft.com/office/drawing/2010/main" w="9525">
                     <a:solidFill>
                       <a:srgbClr val="000000"/>
                     </a:solidFill>
@@ -9852,7 +9856,7 @@
               </a:ln>
               <a:extLst>
                 <a:ext uri="{91240B29-F687-4f45-9708-019B960494DF}">
-                  <a14:hiddenLine xmlns:a14="http://schemas.microsoft.com/office/drawing/2010/main" xmlns="" w="9525">
+                  <a14:hiddenLine xmlns="" xmlns:a14="http://schemas.microsoft.com/office/drawing/2010/main" w="9525">
                     <a:solidFill>
                       <a:srgbClr val="000000"/>
                     </a:solidFill>
@@ -9914,7 +9918,7 @@
               </a:ln>
               <a:extLst>
                 <a:ext uri="{91240B29-F687-4f45-9708-019B960494DF}">
-                  <a14:hiddenLine xmlns:a14="http://schemas.microsoft.com/office/drawing/2010/main" xmlns="" w="9525">
+                  <a14:hiddenLine xmlns="" xmlns:a14="http://schemas.microsoft.com/office/drawing/2010/main" w="9525">
                     <a:solidFill>
                       <a:srgbClr val="000000"/>
                     </a:solidFill>
@@ -9976,7 +9980,7 @@
               </a:ln>
               <a:extLst>
                 <a:ext uri="{91240B29-F687-4f45-9708-019B960494DF}">
-                  <a14:hiddenLine xmlns:a14="http://schemas.microsoft.com/office/drawing/2010/main" xmlns="" w="9525">
+                  <a14:hiddenLine xmlns="" xmlns:a14="http://schemas.microsoft.com/office/drawing/2010/main" w="9525">
                     <a:solidFill>
                       <a:srgbClr val="000000"/>
                     </a:solidFill>
@@ -10066,7 +10070,7 @@
               </a:ln>
               <a:extLst>
                 <a:ext uri="{91240B29-F687-4f45-9708-019B960494DF}">
-                  <a14:hiddenLine xmlns:a14="http://schemas.microsoft.com/office/drawing/2010/main" xmlns="" w="9525">
+                  <a14:hiddenLine xmlns="" xmlns:a14="http://schemas.microsoft.com/office/drawing/2010/main" w="9525">
                     <a:solidFill>
                       <a:srgbClr val="000000"/>
                     </a:solidFill>
@@ -10100,7 +10104,7 @@
               </a:ln>
               <a:extLst>
                 <a:ext uri="{91240B29-F687-4f45-9708-019B960494DF}">
-                  <a14:hiddenLine xmlns:a14="http://schemas.microsoft.com/office/drawing/2010/main" xmlns="" w="9525">
+                  <a14:hiddenLine xmlns="" xmlns:a14="http://schemas.microsoft.com/office/drawing/2010/main" w="9525">
                     <a:solidFill>
                       <a:srgbClr val="000000"/>
                     </a:solidFill>
@@ -10165,7 +10169,7 @@
               </a:ln>
               <a:extLst>
                 <a:ext uri="{91240B29-F687-4f45-9708-019B960494DF}">
-                  <a14:hiddenLine xmlns:a14="http://schemas.microsoft.com/office/drawing/2010/main" xmlns="" w="9525">
+                  <a14:hiddenLine xmlns="" xmlns:a14="http://schemas.microsoft.com/office/drawing/2010/main" w="9525">
                     <a:solidFill>
                       <a:srgbClr val="000000"/>
                     </a:solidFill>
@@ -10255,7 +10259,7 @@
               </a:ln>
               <a:extLst>
                 <a:ext uri="{91240B29-F687-4f45-9708-019B960494DF}">
-                  <a14:hiddenLine xmlns:a14="http://schemas.microsoft.com/office/drawing/2010/main" xmlns="" w="9525">
+                  <a14:hiddenLine xmlns="" xmlns:a14="http://schemas.microsoft.com/office/drawing/2010/main" w="9525">
                     <a:solidFill>
                       <a:srgbClr val="000000"/>
                     </a:solidFill>
@@ -10317,7 +10321,7 @@
               </a:ln>
               <a:extLst>
                 <a:ext uri="{91240B29-F687-4f45-9708-019B960494DF}">
-                  <a14:hiddenLine xmlns:a14="http://schemas.microsoft.com/office/drawing/2010/main" xmlns="" w="9525">
+                  <a14:hiddenLine xmlns="" xmlns:a14="http://schemas.microsoft.com/office/drawing/2010/main" w="9525">
                     <a:solidFill>
                       <a:srgbClr val="000000"/>
                     </a:solidFill>
@@ -10407,7 +10411,7 @@
               </a:ln>
               <a:extLst>
                 <a:ext uri="{91240B29-F687-4f45-9708-019B960494DF}">
-                  <a14:hiddenLine xmlns:a14="http://schemas.microsoft.com/office/drawing/2010/main" xmlns="" w="9525">
+                  <a14:hiddenLine xmlns="" xmlns:a14="http://schemas.microsoft.com/office/drawing/2010/main" w="9525">
                     <a:solidFill>
                       <a:srgbClr val="000000"/>
                     </a:solidFill>
@@ -10472,7 +10476,7 @@
               </a:ln>
               <a:extLst>
                 <a:ext uri="{91240B29-F687-4f45-9708-019B960494DF}">
-                  <a14:hiddenLine xmlns:a14="http://schemas.microsoft.com/office/drawing/2010/main" xmlns="" w="9525">
+                  <a14:hiddenLine xmlns="" xmlns:a14="http://schemas.microsoft.com/office/drawing/2010/main" w="9525">
                     <a:solidFill>
                       <a:srgbClr val="000000"/>
                     </a:solidFill>
@@ -10534,7 +10538,7 @@
               </a:ln>
               <a:extLst>
                 <a:ext uri="{91240B29-F687-4f45-9708-019B960494DF}">
-                  <a14:hiddenLine xmlns:a14="http://schemas.microsoft.com/office/drawing/2010/main" xmlns="" w="9525">
+                  <a14:hiddenLine xmlns="" xmlns:a14="http://schemas.microsoft.com/office/drawing/2010/main" w="9525">
                     <a:solidFill>
                       <a:srgbClr val="000000"/>
                     </a:solidFill>
@@ -10624,7 +10628,7 @@
               </a:ln>
               <a:extLst>
                 <a:ext uri="{91240B29-F687-4f45-9708-019B960494DF}">
-                  <a14:hiddenLine xmlns:a14="http://schemas.microsoft.com/office/drawing/2010/main" xmlns="" w="9525">
+                  <a14:hiddenLine xmlns="" xmlns:a14="http://schemas.microsoft.com/office/drawing/2010/main" w="9525">
                     <a:solidFill>
                       <a:srgbClr val="000000"/>
                     </a:solidFill>
@@ -10714,7 +10718,7 @@
               </a:ln>
               <a:extLst>
                 <a:ext uri="{91240B29-F687-4f45-9708-019B960494DF}">
-                  <a14:hiddenLine xmlns:a14="http://schemas.microsoft.com/office/drawing/2010/main" xmlns="" w="9525">
+                  <a14:hiddenLine xmlns="" xmlns:a14="http://schemas.microsoft.com/office/drawing/2010/main" w="9525">
                     <a:solidFill>
                       <a:srgbClr val="000000"/>
                     </a:solidFill>
@@ -10779,7 +10783,7 @@
               </a:ln>
               <a:extLst>
                 <a:ext uri="{91240B29-F687-4f45-9708-019B960494DF}">
-                  <a14:hiddenLine xmlns:a14="http://schemas.microsoft.com/office/drawing/2010/main" xmlns="" w="9525">
+                  <a14:hiddenLine xmlns="" xmlns:a14="http://schemas.microsoft.com/office/drawing/2010/main" w="9525">
                     <a:solidFill>
                       <a:srgbClr val="000000"/>
                     </a:solidFill>
@@ -10899,7 +10903,7 @@
               </a:ln>
               <a:extLst>
                 <a:ext uri="{91240B29-F687-4f45-9708-019B960494DF}">
-                  <a14:hiddenLine xmlns:a14="http://schemas.microsoft.com/office/drawing/2010/main" xmlns="" w="9525">
+                  <a14:hiddenLine xmlns="" xmlns:a14="http://schemas.microsoft.com/office/drawing/2010/main" w="9525">
                     <a:solidFill>
                       <a:srgbClr val="000000"/>
                     </a:solidFill>
@@ -10997,7 +11001,7 @@
               </a:ln>
               <a:extLst>
                 <a:ext uri="{91240B29-F687-4f45-9708-019B960494DF}">
-                  <a14:hiddenLine xmlns:a14="http://schemas.microsoft.com/office/drawing/2010/main" xmlns="" w="9525">
+                  <a14:hiddenLine xmlns="" xmlns:a14="http://schemas.microsoft.com/office/drawing/2010/main" w="9525">
                     <a:solidFill>
                       <a:srgbClr val="000000"/>
                     </a:solidFill>
@@ -11112,7 +11116,7 @@
               </a:ln>
               <a:extLst>
                 <a:ext uri="{91240B29-F687-4f45-9708-019B960494DF}">
-                  <a14:hiddenLine xmlns:a14="http://schemas.microsoft.com/office/drawing/2010/main" xmlns="" w="9525">
+                  <a14:hiddenLine xmlns="" xmlns:a14="http://schemas.microsoft.com/office/drawing/2010/main" w="9525">
                     <a:solidFill>
                       <a:srgbClr val="000000"/>
                     </a:solidFill>
@@ -11202,7 +11206,7 @@
               </a:ln>
               <a:extLst>
                 <a:ext uri="{91240B29-F687-4f45-9708-019B960494DF}">
-                  <a14:hiddenLine xmlns:a14="http://schemas.microsoft.com/office/drawing/2010/main" xmlns="" w="9525">
+                  <a14:hiddenLine xmlns="" xmlns:a14="http://schemas.microsoft.com/office/drawing/2010/main" w="9525">
                     <a:solidFill>
                       <a:srgbClr val="000000"/>
                     </a:solidFill>
@@ -11267,7 +11271,7 @@
               </a:ln>
               <a:extLst>
                 <a:ext uri="{91240B29-F687-4f45-9708-019B960494DF}">
-                  <a14:hiddenLine xmlns:a14="http://schemas.microsoft.com/office/drawing/2010/main" xmlns="" w="9525">
+                  <a14:hiddenLine xmlns="" xmlns:a14="http://schemas.microsoft.com/office/drawing/2010/main" w="9525">
                     <a:solidFill>
                       <a:srgbClr val="000000"/>
                     </a:solidFill>
@@ -11357,7 +11361,7 @@
               </a:ln>
               <a:extLst>
                 <a:ext uri="{91240B29-F687-4f45-9708-019B960494DF}">
-                  <a14:hiddenLine xmlns:a14="http://schemas.microsoft.com/office/drawing/2010/main" xmlns="" w="9525">
+                  <a14:hiddenLine xmlns="" xmlns:a14="http://schemas.microsoft.com/office/drawing/2010/main" w="9525">
                     <a:solidFill>
                       <a:srgbClr val="000000"/>
                     </a:solidFill>
@@ -11425,7 +11429,7 @@
               </a:ln>
               <a:extLst>
                 <a:ext uri="{91240B29-F687-4f45-9708-019B960494DF}">
-                  <a14:hiddenLine xmlns:a14="http://schemas.microsoft.com/office/drawing/2010/main" xmlns="" w="9525">
+                  <a14:hiddenLine xmlns="" xmlns:a14="http://schemas.microsoft.com/office/drawing/2010/main" w="9525">
                     <a:solidFill>
                       <a:srgbClr val="000000"/>
                     </a:solidFill>
@@ -11515,7 +11519,7 @@
               </a:ln>
               <a:extLst>
                 <a:ext uri="{91240B29-F687-4f45-9708-019B960494DF}">
-                  <a14:hiddenLine xmlns:a14="http://schemas.microsoft.com/office/drawing/2010/main" xmlns="" w="9525">
+                  <a14:hiddenLine xmlns="" xmlns:a14="http://schemas.microsoft.com/office/drawing/2010/main" w="9525">
                     <a:solidFill>
                       <a:srgbClr val="000000"/>
                     </a:solidFill>
@@ -11583,7 +11587,7 @@
               </a:ln>
               <a:extLst>
                 <a:ext uri="{91240B29-F687-4f45-9708-019B960494DF}">
-                  <a14:hiddenLine xmlns:a14="http://schemas.microsoft.com/office/drawing/2010/main" xmlns="" w="9525">
+                  <a14:hiddenLine xmlns="" xmlns:a14="http://schemas.microsoft.com/office/drawing/2010/main" w="9525">
                     <a:solidFill>
                       <a:srgbClr val="000000"/>
                     </a:solidFill>
@@ -11673,7 +11677,7 @@
               </a:ln>
               <a:extLst>
                 <a:ext uri="{91240B29-F687-4f45-9708-019B960494DF}">
-                  <a14:hiddenLine xmlns:a14="http://schemas.microsoft.com/office/drawing/2010/main" xmlns="" w="9525">
+                  <a14:hiddenLine xmlns="" xmlns:a14="http://schemas.microsoft.com/office/drawing/2010/main" w="9525">
                     <a:solidFill>
                       <a:srgbClr val="000000"/>
                     </a:solidFill>
@@ -11707,7 +11711,7 @@
               </a:ln>
               <a:extLst>
                 <a:ext uri="{91240B29-F687-4f45-9708-019B960494DF}">
-                  <a14:hiddenLine xmlns:a14="http://schemas.microsoft.com/office/drawing/2010/main" xmlns="" w="9525">
+                  <a14:hiddenLine xmlns="" xmlns:a14="http://schemas.microsoft.com/office/drawing/2010/main" w="9525">
                     <a:solidFill>
                       <a:srgbClr val="000000"/>
                     </a:solidFill>
@@ -11824,7 +11828,7 @@
             <a:fld id="{48A87A34-81AB-432B-8DAE-1953F412C126}" type="datetimeFigureOut">
               <a:rPr lang="en-US" dirty="0"/>
               <a:pPr/>
-              <a:t>9/4/20</a:t>
+              <a:t>9/7/20</a:t>
             </a:fld>
             <a:endParaRPr lang="en-US" dirty="0"/>
           </a:p>
@@ -12788,86 +12792,6 @@
 </p:sld>
 </file>
 
-<file path=ppt/slides/slide4.xml><?xml version="1.0" encoding="utf-8"?>
-<p:sld xmlns:a="http://schemas.openxmlformats.org/drawingml/2006/main" xmlns:r="http://schemas.openxmlformats.org/officeDocument/2006/relationships" xmlns:p="http://schemas.openxmlformats.org/presentationml/2006/main">
-  <p:cSld>
-    <p:spTree>
-      <p:nvGrpSpPr>
-        <p:cNvPr id="1" name=""/>
-        <p:cNvGrpSpPr/>
-        <p:nvPr/>
-      </p:nvGrpSpPr>
-      <p:grpSpPr>
-        <a:xfrm>
-          <a:off x="0" y="0"/>
-          <a:ext cx="0" cy="0"/>
-          <a:chOff x="0" y="0"/>
-          <a:chExt cx="0" cy="0"/>
-        </a:xfrm>
-      </p:grpSpPr>
-      <p:sp>
-        <p:nvSpPr>
-          <p:cNvPr id="2" name="标题 1">
-            <a:extLst>
-              <a:ext uri="{FF2B5EF4-FFF2-40B4-BE49-F238E27FC236}">
-                <a16:creationId xmlns:a16="http://schemas.microsoft.com/office/drawing/2014/main" id="{13FFAF83-BFBC-354D-9912-A6D5143E64E0}"/>
-              </a:ext>
-            </a:extLst>
-          </p:cNvPr>
-          <p:cNvSpPr>
-            <a:spLocks noGrp="1"/>
-          </p:cNvSpPr>
-          <p:nvPr>
-            <p:ph type="title"/>
-          </p:nvPr>
-        </p:nvSpPr>
-        <p:spPr/>
-        <p:txBody>
-          <a:bodyPr/>
-          <a:lstStyle/>
-          <a:p>
-            <a:endParaRPr kumimoji="1" lang="zh-CN" altLang="en-US"/>
-          </a:p>
-        </p:txBody>
-      </p:sp>
-      <p:sp>
-        <p:nvSpPr>
-          <p:cNvPr id="3" name="内容占位符 2">
-            <a:extLst>
-              <a:ext uri="{FF2B5EF4-FFF2-40B4-BE49-F238E27FC236}">
-                <a16:creationId xmlns:a16="http://schemas.microsoft.com/office/drawing/2014/main" id="{B5AAC8F0-39DC-B84C-8836-1EAE4B35D8DE}"/>
-              </a:ext>
-            </a:extLst>
-          </p:cNvPr>
-          <p:cNvSpPr>
-            <a:spLocks noGrp="1"/>
-          </p:cNvSpPr>
-          <p:nvPr>
-            <p:ph idx="1"/>
-          </p:nvPr>
-        </p:nvSpPr>
-        <p:spPr/>
-        <p:txBody>
-          <a:bodyPr/>
-          <a:lstStyle/>
-          <a:p>
-            <a:endParaRPr kumimoji="1" lang="zh-CN" altLang="en-US"/>
-          </a:p>
-        </p:txBody>
-      </p:sp>
-    </p:spTree>
-    <p:extLst>
-      <p:ext uri="{BB962C8B-B14F-4D97-AF65-F5344CB8AC3E}">
-        <p14:creationId xmlns:p14="http://schemas.microsoft.com/office/powerpoint/2010/main" val="130446952"/>
-      </p:ext>
-    </p:extLst>
-  </p:cSld>
-  <p:clrMapOvr>
-    <a:masterClrMapping/>
-  </p:clrMapOvr>
-</p:sld>
-</file>
-
 <file path=ppt/theme/theme1.xml><?xml version="1.0" encoding="utf-8"?>
 <a:theme xmlns:a="http://schemas.openxmlformats.org/drawingml/2006/main" name="电路">
   <a:themeElements>

--- a/ppt/2020年9月.pptx
+++ b/ppt/2020年9月.pptx
@@ -12387,7 +12387,12 @@
             <p:ph type="ctrTitle"/>
           </p:nvPr>
         </p:nvSpPr>
-        <p:spPr/>
+        <p:spPr>
+          <a:xfrm>
+            <a:off x="1876424" y="1303867"/>
+            <a:ext cx="10256309" cy="829734"/>
+          </a:xfrm>
+        </p:spPr>
         <p:txBody>
           <a:bodyPr>
             <a:normAutofit/>
@@ -12399,12 +12404,41 @@
               <a:buChar char="•"/>
             </a:pPr>
             <a:r>
+              <a:rPr kumimoji="1" lang="en-US" altLang="zh-CN" dirty="0" err="1"/>
+              <a:t>Redis</a:t>
+            </a:r>
+            <a:r>
+              <a:rPr kumimoji="1" lang="zh-CN" altLang="en-US" dirty="0"/>
+              <a:t>的</a:t>
+            </a:r>
+            <a:r>
               <a:rPr kumimoji="1" lang="en-US" altLang="zh-CN" dirty="0"/>
               <a:t>Set</a:t>
             </a:r>
-            <a:br>
+            <a:r>
+              <a:rPr kumimoji="1" lang="zh-CN" altLang="en-US" dirty="0"/>
+              <a:t> </a:t>
+            </a:r>
+            <a:r>
               <a:rPr kumimoji="1" lang="en-US" altLang="zh-CN" dirty="0"/>
-            </a:br>
+              <a:t>list</a:t>
+            </a:r>
+            <a:r>
+              <a:rPr kumimoji="1" lang="zh-CN" altLang="en-US" dirty="0"/>
+              <a:t> </a:t>
+            </a:r>
+            <a:r>
+              <a:rPr kumimoji="1" lang="en-US" altLang="zh-CN" dirty="0"/>
+              <a:t>hash</a:t>
+            </a:r>
+            <a:r>
+              <a:rPr kumimoji="1" lang="zh-CN" altLang="en-US" dirty="0"/>
+              <a:t> </a:t>
+            </a:r>
+            <a:r>
+              <a:rPr kumimoji="1" lang="en-US" altLang="zh-CN" dirty="0"/>
+              <a:t>sorted-set</a:t>
+            </a:r>
             <a:endParaRPr kumimoji="1" lang="zh-CN" altLang="en-US" dirty="0"/>
           </a:p>
         </p:txBody>
@@ -12427,13 +12461,13 @@
         </p:nvSpPr>
         <p:spPr>
           <a:xfrm>
-            <a:off x="1876424" y="3602037"/>
-            <a:ext cx="8791575" cy="2883429"/>
+            <a:off x="1876424" y="2133601"/>
+            <a:ext cx="8791575" cy="4351866"/>
           </a:xfrm>
         </p:spPr>
         <p:txBody>
           <a:bodyPr>
-            <a:normAutofit lnSpcReduction="10000"/>
+            <a:normAutofit/>
           </a:bodyPr>
           <a:lstStyle/>
           <a:p>
@@ -12461,6 +12495,13 @@
             <a:r>
               <a:rPr kumimoji="1" lang="en-US" altLang="zh-CN" dirty="0" err="1"/>
               <a:t>Sorted_set</a:t>
+            </a:r>
+            <a:endParaRPr kumimoji="1" lang="en-US" altLang="zh-CN" dirty="0"/>
+          </a:p>
+          <a:p>
+            <a:r>
+              <a:rPr kumimoji="1" lang="en-US" altLang="zh-CN" dirty="0" err="1"/>
+              <a:t>Skip_list</a:t>
             </a:r>
             <a:endParaRPr kumimoji="1" lang="en-US" altLang="zh-CN" dirty="0"/>
           </a:p>
@@ -12590,12 +12631,12 @@
         <p:spPr>
           <a:xfrm>
             <a:off x="1876424" y="1122363"/>
-            <a:ext cx="8791575" cy="858837"/>
+            <a:ext cx="8791575" cy="816504"/>
           </a:xfrm>
         </p:spPr>
         <p:txBody>
           <a:bodyPr>
-            <a:normAutofit fontScale="90000"/>
+            <a:normAutofit/>
           </a:bodyPr>
           <a:lstStyle/>
           <a:p>
@@ -12603,14 +12644,35 @@
               <a:buFont typeface="Arial" panose="020B0604020202020204" pitchFamily="34" charset="0"/>
               <a:buChar char="•"/>
             </a:pPr>
-            <a:br>
-              <a:rPr kumimoji="1" lang="en-US" altLang="zh-CN" dirty="0"/>
-            </a:br>
             <a:r>
-              <a:rPr kumimoji="1" lang="en-US" altLang="zh-CN" dirty="0" err="1"/>
+              <a:rPr kumimoji="1" lang="en-US" altLang="zh-CN" dirty="0" err="1">
+                <a:solidFill>
+                  <a:schemeClr val="bg1"/>
+                </a:solidFill>
+              </a:rPr>
+              <a:t>redis</a:t>
+            </a:r>
+            <a:r>
+              <a:rPr kumimoji="1" lang="en-US" altLang="zh-CN" dirty="0">
+                <a:solidFill>
+                  <a:schemeClr val="bg1"/>
+                </a:solidFill>
+              </a:rPr>
+              <a:t> </a:t>
+            </a:r>
+            <a:r>
+              <a:rPr kumimoji="1" lang="en-US" altLang="zh-CN" dirty="0" err="1">
+                <a:solidFill>
+                  <a:schemeClr val="bg1"/>
+                </a:solidFill>
+              </a:rPr>
               <a:t>Transation</a:t>
             </a:r>
-            <a:endParaRPr kumimoji="1" lang="zh-CN" altLang="en-US" dirty="0"/>
+            <a:endParaRPr kumimoji="1" lang="zh-CN" altLang="en-US" dirty="0">
+              <a:solidFill>
+                <a:schemeClr val="bg1"/>
+              </a:solidFill>
+            </a:endParaRPr>
           </a:p>
         </p:txBody>
       </p:sp>
@@ -12638,23 +12700,64 @@
         </p:spPr>
         <p:txBody>
           <a:bodyPr>
-            <a:normAutofit/>
+            <a:normAutofit fontScale="92500" lnSpcReduction="20000"/>
           </a:bodyPr>
           <a:lstStyle/>
           <a:p>
+            <a:pPr marL="342900" indent="-342900">
+              <a:buFont typeface="Arial" panose="020B0604020202020204" pitchFamily="34" charset="0"/>
+              <a:buChar char="•"/>
+            </a:pPr>
             <a:r>
               <a:rPr kumimoji="1" lang="en-US" altLang="zh-CN" dirty="0" err="1"/>
               <a:t>Pubsub</a:t>
             </a:r>
+            <a:r>
+              <a:rPr kumimoji="1" lang="en-US" altLang="zh-CN" dirty="0"/>
+              <a:t>/</a:t>
+            </a:r>
+            <a:r>
+              <a:rPr kumimoji="1" lang="zh-CN" altLang="en-US" dirty="0"/>
+              <a:t>消息订阅</a:t>
+            </a:r>
             <a:endParaRPr kumimoji="1" lang="en-US" altLang="zh-CN" dirty="0"/>
           </a:p>
           <a:p>
+            <a:pPr marL="342900" indent="-342900">
+              <a:buFont typeface="Arial" panose="020B0604020202020204" pitchFamily="34" charset="0"/>
+              <a:buChar char="•"/>
+            </a:pPr>
+            <a:r>
+              <a:rPr kumimoji="1" lang="en-US" altLang="zh-CN" dirty="0"/>
+              <a:t>Pipeline</a:t>
+            </a:r>
+          </a:p>
+          <a:p>
+            <a:pPr marL="342900" indent="-342900">
+              <a:buFont typeface="Arial" panose="020B0604020202020204" pitchFamily="34" charset="0"/>
+              <a:buChar char="•"/>
+            </a:pPr>
+            <a:r>
+              <a:rPr kumimoji="1" lang="zh-CN" altLang="en-US" dirty="0"/>
+              <a:t>事务</a:t>
+            </a:r>
+            <a:endParaRPr kumimoji="1" lang="en-US" altLang="zh-CN" dirty="0"/>
+          </a:p>
+          <a:p>
+            <a:pPr marL="342900" indent="-342900">
+              <a:buFont typeface="Arial" panose="020B0604020202020204" pitchFamily="34" charset="0"/>
+              <a:buChar char="•"/>
+            </a:pPr>
             <a:r>
               <a:rPr kumimoji="1" lang="en-US" altLang="zh-CN" dirty="0"/>
               <a:t>Watch</a:t>
             </a:r>
           </a:p>
           <a:p>
+            <a:pPr marL="342900" indent="-342900">
+              <a:buFont typeface="Arial" panose="020B0604020202020204" pitchFamily="34" charset="0"/>
+              <a:buChar char="•"/>
+            </a:pPr>
             <a:r>
               <a:rPr kumimoji="1" lang="en-US" altLang="zh-CN" dirty="0" err="1"/>
               <a:t>Muti</a:t>
@@ -12662,18 +12765,30 @@
             <a:endParaRPr kumimoji="1" lang="en-US" altLang="zh-CN" dirty="0"/>
           </a:p>
           <a:p>
+            <a:pPr marL="342900" indent="-342900">
+              <a:buFont typeface="Arial" panose="020B0604020202020204" pitchFamily="34" charset="0"/>
+              <a:buChar char="•"/>
+            </a:pPr>
             <a:r>
               <a:rPr kumimoji="1" lang="en-US" altLang="zh-CN" dirty="0"/>
               <a:t>discard</a:t>
             </a:r>
           </a:p>
           <a:p>
+            <a:pPr marL="342900" indent="-342900">
+              <a:buFont typeface="Arial" panose="020B0604020202020204" pitchFamily="34" charset="0"/>
+              <a:buChar char="•"/>
+            </a:pPr>
             <a:r>
               <a:rPr kumimoji="1" lang="en-US" altLang="zh-CN" dirty="0"/>
               <a:t>Exec</a:t>
             </a:r>
           </a:p>
           <a:p>
+            <a:pPr marL="342900" indent="-342900">
+              <a:buFont typeface="Arial" panose="020B0604020202020204" pitchFamily="34" charset="0"/>
+              <a:buChar char="•"/>
+            </a:pPr>
             <a:r>
               <a:rPr kumimoji="1" lang="en-US" altLang="zh-CN" dirty="0" err="1"/>
               <a:t>Bloom.so</a:t>
@@ -12684,12 +12799,53 @@
             </a:r>
             <a:r>
               <a:rPr kumimoji="1" lang="zh-CN" altLang="en-US" dirty="0"/>
-              <a:t>安装 启动 </a:t>
+              <a:t>安装 启动 使用 算法</a:t>
+            </a:r>
+            <a:endParaRPr kumimoji="1" lang="en-US" altLang="zh-CN" dirty="0"/>
+          </a:p>
+          <a:p>
+            <a:pPr marL="342900" indent="-342900">
+              <a:buFont typeface="Arial" panose="020B0604020202020204" pitchFamily="34" charset="0"/>
+              <a:buChar char="•"/>
+            </a:pPr>
+            <a:r>
+              <a:rPr kumimoji="1" lang="zh-CN" altLang="en-US" dirty="0"/>
+              <a:t>缓存淘汰算法：主动：定时随机</a:t>
+            </a:r>
+            <a:r>
+              <a:rPr kumimoji="1" lang="en-US" altLang="zh-CN" dirty="0"/>
+              <a:t>20key</a:t>
+            </a:r>
+            <a:r>
+              <a:rPr kumimoji="1" lang="zh-CN" altLang="en-US" dirty="0"/>
+              <a:t>，有</a:t>
+            </a:r>
+            <a:r>
+              <a:rPr kumimoji="1" lang="en-US" altLang="zh-CN" dirty="0"/>
+              <a:t>25%</a:t>
+            </a:r>
+            <a:r>
+              <a:rPr kumimoji="1" lang="zh-CN" altLang="en-US" dirty="0"/>
+              <a:t>过期，再次随机 被动：客户端访问时，校验过期，删除，返回</a:t>
+            </a:r>
+            <a:r>
+              <a:rPr kumimoji="1" lang="en-US" altLang="zh-CN" dirty="0"/>
+              <a:t>key</a:t>
             </a:r>
             <a:r>
               <a:rPr kumimoji="1" lang="zh-CN" altLang="en-US"/>
-              <a:t>使用 算法</a:t>
+              <a:t>过期</a:t>
             </a:r>
+            <a:endParaRPr kumimoji="1" lang="en-US" altLang="zh-CN" dirty="0"/>
+          </a:p>
+          <a:p>
+            <a:endParaRPr kumimoji="1" lang="en-US" altLang="zh-CN" dirty="0"/>
+          </a:p>
+          <a:p>
+            <a:pPr marL="342900" indent="-342900">
+              <a:buFont typeface="Arial" panose="020B0604020202020204" pitchFamily="34" charset="0"/>
+              <a:buChar char="•"/>
+            </a:pPr>
             <a:endParaRPr kumimoji="1" lang="en-US" altLang="zh-CN" dirty="0"/>
           </a:p>
           <a:p>
